--- a/AACS_Setup_Manual.pptx
+++ b/AACS_Setup_Manual.pptx
@@ -21,6 +21,8 @@
     <p:sldId id="266" r:id="rId17"/>
     <p:sldId id="267" r:id="rId18"/>
     <p:sldId id="268" r:id="rId19"/>
+    <p:sldId id="269" r:id="rId20"/>
+    <p:sldId id="270" r:id="rId21"/>
   </p:sldIdLst>
   <p:sldSz cy="5143500" cx="9144000"/>
   <p:notesSz cx="6858000" cy="9144000"/>
@@ -1113,7 +1115,7 @@
       </p:grpSpPr>
       <p:sp>
         <p:nvSpPr>
-          <p:cNvPr id="126" name="Google Shape;126;ge09e814346_8_4:notes"/>
+          <p:cNvPr id="126" name="Google Shape;126;ge09e814346_10_0:notes"/>
           <p:cNvSpPr/>
           <p:nvPr>
             <p:ph idx="2" type="sldImg"/>
@@ -1148,7 +1150,205 @@
       </p:sp>
       <p:sp>
         <p:nvSpPr>
-          <p:cNvPr id="127" name="Google Shape;127;ge09e814346_8_4:notes"/>
+          <p:cNvPr id="127" name="Google Shape;127;ge09e814346_10_0:notes"/>
+          <p:cNvSpPr txBox="1"/>
+          <p:nvPr>
+            <p:ph idx="1" type="body"/>
+          </p:nvPr>
+        </p:nvSpPr>
+        <p:spPr>
+          <a:xfrm>
+            <a:off x="685800" y="4343400"/>
+            <a:ext cx="5486400" cy="4114800"/>
+          </a:xfrm>
+          <a:prstGeom prst="rect">
+            <a:avLst/>
+          </a:prstGeom>
+        </p:spPr>
+        <p:txBody>
+          <a:bodyPr anchorCtr="0" anchor="t" bIns="91425" lIns="91425" spcFirstLastPara="1" rIns="91425" wrap="square" tIns="91425">
+            <a:noAutofit/>
+          </a:bodyPr>
+          <a:lstStyle/>
+          <a:p>
+            <a:pPr indent="0" lvl="0" marL="0" rtl="0" algn="l">
+              <a:spcBef>
+                <a:spcPts val="0"/>
+              </a:spcBef>
+              <a:spcAft>
+                <a:spcPts val="0"/>
+              </a:spcAft>
+              <a:buNone/>
+            </a:pPr>
+            <a:r>
+              <a:t/>
+            </a:r>
+            <a:endParaRPr/>
+          </a:p>
+        </p:txBody>
+      </p:sp>
+    </p:spTree>
+  </p:cSld>
+  <p:clrMapOvr>
+    <a:masterClrMapping/>
+  </p:clrMapOvr>
+</p:notes>
+</file>
+
+<file path=ppt/notesSlides/notesSlide14.xml><?xml version="1.0" encoding="utf-8"?>
+<p:notes xmlns:a="http://schemas.openxmlformats.org/drawingml/2006/main" xmlns:r="http://schemas.openxmlformats.org/officeDocument/2006/relationships" xmlns:mc="http://schemas.openxmlformats.org/markup-compatibility/2006" xmlns:mv="urn:schemas-microsoft-com:mac:vml" xmlns:p="http://schemas.openxmlformats.org/presentationml/2006/main" xmlns:c="http://schemas.openxmlformats.org/drawingml/2006/chart" xmlns:dgm="http://schemas.openxmlformats.org/drawingml/2006/diagram" xmlns:o="urn:schemas-microsoft-com:office:office" xmlns:v="urn:schemas-microsoft-com:vml" xmlns:pvml="urn:schemas-microsoft-com:office:powerpoint" xmlns:com="http://schemas.openxmlformats.org/drawingml/2006/compatibility" xmlns:p14="http://schemas.microsoft.com/office/powerpoint/2010/main" xmlns:p15="http://schemas.microsoft.com/office/powerpoint/2012/main" xmlns:ahyp="http://schemas.microsoft.com/office/drawing/2018/hyperlinkcolor" showMasterPhAnim="0" showMasterSp="0">
+  <p:cSld>
+    <p:spTree>
+      <p:nvGrpSpPr>
+        <p:cNvPr id="132" name="Shape 132"/>
+        <p:cNvGrpSpPr/>
+        <p:nvPr/>
+      </p:nvGrpSpPr>
+      <p:grpSpPr>
+        <a:xfrm>
+          <a:off x="0" y="0"/>
+          <a:ext cx="0" cy="0"/>
+          <a:chOff x="0" y="0"/>
+          <a:chExt cx="0" cy="0"/>
+        </a:xfrm>
+      </p:grpSpPr>
+      <p:sp>
+        <p:nvSpPr>
+          <p:cNvPr id="133" name="Google Shape;133;ge09e814346_8_4:notes"/>
+          <p:cNvSpPr/>
+          <p:nvPr>
+            <p:ph idx="2" type="sldImg"/>
+          </p:nvPr>
+        </p:nvSpPr>
+        <p:spPr>
+          <a:xfrm>
+            <a:off x="381300" y="685800"/>
+            <a:ext cx="6096000" cy="3429000"/>
+          </a:xfrm>
+          <a:custGeom>
+            <a:rect b="b" l="l" r="r" t="t"/>
+            <a:pathLst>
+              <a:path extrusionOk="0" h="120000" w="120000">
+                <a:moveTo>
+                  <a:pt x="0" y="0"/>
+                </a:moveTo>
+                <a:lnTo>
+                  <a:pt x="120000" y="0"/>
+                </a:lnTo>
+                <a:lnTo>
+                  <a:pt x="120000" y="120000"/>
+                </a:lnTo>
+                <a:lnTo>
+                  <a:pt x="0" y="120000"/>
+                </a:lnTo>
+                <a:close/>
+              </a:path>
+            </a:pathLst>
+          </a:custGeom>
+        </p:spPr>
+      </p:sp>
+      <p:sp>
+        <p:nvSpPr>
+          <p:cNvPr id="134" name="Google Shape;134;ge09e814346_8_4:notes"/>
+          <p:cNvSpPr txBox="1"/>
+          <p:nvPr>
+            <p:ph idx="1" type="body"/>
+          </p:nvPr>
+        </p:nvSpPr>
+        <p:spPr>
+          <a:xfrm>
+            <a:off x="685800" y="4343400"/>
+            <a:ext cx="5486400" cy="4114800"/>
+          </a:xfrm>
+          <a:prstGeom prst="rect">
+            <a:avLst/>
+          </a:prstGeom>
+        </p:spPr>
+        <p:txBody>
+          <a:bodyPr anchorCtr="0" anchor="t" bIns="91425" lIns="91425" spcFirstLastPara="1" rIns="91425" wrap="square" tIns="91425">
+            <a:noAutofit/>
+          </a:bodyPr>
+          <a:lstStyle/>
+          <a:p>
+            <a:pPr indent="0" lvl="0" marL="0" rtl="0" algn="l">
+              <a:spcBef>
+                <a:spcPts val="0"/>
+              </a:spcBef>
+              <a:spcAft>
+                <a:spcPts val="0"/>
+              </a:spcAft>
+              <a:buNone/>
+            </a:pPr>
+            <a:r>
+              <a:t/>
+            </a:r>
+            <a:endParaRPr/>
+          </a:p>
+        </p:txBody>
+      </p:sp>
+    </p:spTree>
+  </p:cSld>
+  <p:clrMapOvr>
+    <a:masterClrMapping/>
+  </p:clrMapOvr>
+</p:notes>
+</file>
+
+<file path=ppt/notesSlides/notesSlide15.xml><?xml version="1.0" encoding="utf-8"?>
+<p:notes xmlns:a="http://schemas.openxmlformats.org/drawingml/2006/main" xmlns:r="http://schemas.openxmlformats.org/officeDocument/2006/relationships" xmlns:mc="http://schemas.openxmlformats.org/markup-compatibility/2006" xmlns:mv="urn:schemas-microsoft-com:mac:vml" xmlns:p="http://schemas.openxmlformats.org/presentationml/2006/main" xmlns:c="http://schemas.openxmlformats.org/drawingml/2006/chart" xmlns:dgm="http://schemas.openxmlformats.org/drawingml/2006/diagram" xmlns:o="urn:schemas-microsoft-com:office:office" xmlns:v="urn:schemas-microsoft-com:vml" xmlns:pvml="urn:schemas-microsoft-com:office:powerpoint" xmlns:com="http://schemas.openxmlformats.org/drawingml/2006/compatibility" xmlns:p14="http://schemas.microsoft.com/office/powerpoint/2010/main" xmlns:p15="http://schemas.microsoft.com/office/powerpoint/2012/main" xmlns:ahyp="http://schemas.microsoft.com/office/drawing/2018/hyperlinkcolor" showMasterPhAnim="0" showMasterSp="0">
+  <p:cSld>
+    <p:spTree>
+      <p:nvGrpSpPr>
+        <p:cNvPr id="138" name="Shape 138"/>
+        <p:cNvGrpSpPr/>
+        <p:nvPr/>
+      </p:nvGrpSpPr>
+      <p:grpSpPr>
+        <a:xfrm>
+          <a:off x="0" y="0"/>
+          <a:ext cx="0" cy="0"/>
+          <a:chOff x="0" y="0"/>
+          <a:chExt cx="0" cy="0"/>
+        </a:xfrm>
+      </p:grpSpPr>
+      <p:sp>
+        <p:nvSpPr>
+          <p:cNvPr id="139" name="Google Shape;139;gdde9ac605f_0_0:notes"/>
+          <p:cNvSpPr/>
+          <p:nvPr>
+            <p:ph idx="2" type="sldImg"/>
+          </p:nvPr>
+        </p:nvSpPr>
+        <p:spPr>
+          <a:xfrm>
+            <a:off x="381300" y="685800"/>
+            <a:ext cx="6096000" cy="3429000"/>
+          </a:xfrm>
+          <a:custGeom>
+            <a:rect b="b" l="l" r="r" t="t"/>
+            <a:pathLst>
+              <a:path extrusionOk="0" h="120000" w="120000">
+                <a:moveTo>
+                  <a:pt x="0" y="0"/>
+                </a:moveTo>
+                <a:lnTo>
+                  <a:pt x="120000" y="0"/>
+                </a:lnTo>
+                <a:lnTo>
+                  <a:pt x="120000" y="120000"/>
+                </a:lnTo>
+                <a:lnTo>
+                  <a:pt x="0" y="120000"/>
+                </a:lnTo>
+                <a:close/>
+              </a:path>
+            </a:pathLst>
+          </a:custGeom>
+        </p:spPr>
+      </p:sp>
+      <p:sp>
+        <p:nvSpPr>
+          <p:cNvPr id="140" name="Google Shape;140;gdde9ac605f_0_0:notes"/>
           <p:cNvSpPr txBox="1"/>
           <p:nvPr>
             <p:ph idx="1" type="body"/>
@@ -7028,7 +7228,7 @@
             <a:tbl>
               <a:tblPr>
                 <a:noFill/>
-                <a:tableStyleId>{B3EAB1C9-F10B-4B7C-886D-17FA1C0DB575}</a:tableStyleId>
+                <a:tableStyleId>{7EEE5744-F368-4B32-B27F-540C0DF30A77}</a:tableStyleId>
               </a:tblPr>
               <a:tblGrid>
                 <a:gridCol w="8464150"/>
@@ -7285,7 +7485,7 @@
             <a:tbl>
               <a:tblPr>
                 <a:noFill/>
-                <a:tableStyleId>{B3EAB1C9-F10B-4B7C-886D-17FA1C0DB575}</a:tableStyleId>
+                <a:tableStyleId>{7EEE5744-F368-4B32-B27F-540C0DF30A77}</a:tableStyleId>
               </a:tblPr>
               <a:tblGrid>
                 <a:gridCol w="8160900"/>
@@ -7557,7 +7757,7 @@
             <a:tbl>
               <a:tblPr>
                 <a:noFill/>
-                <a:tableStyleId>{B3EAB1C9-F10B-4B7C-886D-17FA1C0DB575}</a:tableStyleId>
+                <a:tableStyleId>{7EEE5744-F368-4B32-B27F-540C0DF30A77}</a:tableStyleId>
               </a:tblPr>
               <a:tblGrid>
                 <a:gridCol w="8160900"/>
@@ -7720,7 +7920,15 @@
                   <a:schemeClr val="dk1"/>
                 </a:solidFill>
               </a:rPr>
-              <a:t>USB Key Setup (need USB Flash drive)</a:t>
+              <a:t>USB Key Setup </a:t>
+            </a:r>
+            <a:r>
+              <a:rPr lang="ko" sz="1600">
+                <a:solidFill>
+                  <a:schemeClr val="dk1"/>
+                </a:solidFill>
+              </a:rPr>
+              <a:t>(If you need USB Flash Drive, then ask to TEAM 3)</a:t>
             </a:r>
             <a:endParaRPr sz="1600">
               <a:solidFill>
@@ -8049,7 +8257,7 @@
             <a:tbl>
               <a:tblPr>
                 <a:noFill/>
-                <a:tableStyleId>{B3EAB1C9-F10B-4B7C-886D-17FA1C0DB575}</a:tableStyleId>
+                <a:tableStyleId>{7EEE5744-F368-4B32-B27F-540C0DF30A77}</a:tableStyleId>
               </a:tblPr>
               <a:tblGrid>
                 <a:gridCol w="8464150"/>
@@ -8218,6 +8426,914 @@
                   <a:schemeClr val="dk1"/>
                 </a:solidFill>
               </a:rPr>
+              <a:t>Server Setup</a:t>
+            </a:r>
+            <a:endParaRPr b="1" sz="1600">
+              <a:solidFill>
+                <a:schemeClr val="dk1"/>
+              </a:solidFill>
+            </a:endParaRPr>
+          </a:p>
+          <a:p>
+            <a:pPr indent="0" lvl="0" marL="0" rtl="0" algn="l">
+              <a:spcBef>
+                <a:spcPts val="0"/>
+              </a:spcBef>
+              <a:spcAft>
+                <a:spcPts val="0"/>
+              </a:spcAft>
+              <a:buNone/>
+            </a:pPr>
+            <a:r>
+              <a:t/>
+            </a:r>
+            <a:endParaRPr sz="1600">
+              <a:solidFill>
+                <a:schemeClr val="dk1"/>
+              </a:solidFill>
+            </a:endParaRPr>
+          </a:p>
+          <a:p>
+            <a:pPr indent="0" lvl="0" marL="0" rtl="0" algn="l">
+              <a:spcBef>
+                <a:spcPts val="0"/>
+              </a:spcBef>
+              <a:spcAft>
+                <a:spcPts val="0"/>
+              </a:spcAft>
+              <a:buClr>
+                <a:schemeClr val="dk1"/>
+              </a:buClr>
+              <a:buSzPts val="1100"/>
+              <a:buFont typeface="Arial"/>
+              <a:buNone/>
+            </a:pPr>
+            <a:r>
+              <a:rPr lang="ko" sz="1600">
+                <a:solidFill>
+                  <a:schemeClr val="dk1"/>
+                </a:solidFill>
+              </a:rPr>
+              <a:t>Change engine and model files. (If you need. All the engine files are check HASH.)</a:t>
+            </a:r>
+            <a:endParaRPr/>
+          </a:p>
+        </p:txBody>
+      </p:sp>
+      <p:sp>
+        <p:nvSpPr>
+          <p:cNvPr id="130" name="Google Shape;130;p25"/>
+          <p:cNvSpPr txBox="1"/>
+          <p:nvPr/>
+        </p:nvSpPr>
+        <p:spPr>
+          <a:xfrm>
+            <a:off x="131625" y="1082250"/>
+            <a:ext cx="8160900" cy="861900"/>
+          </a:xfrm>
+          <a:prstGeom prst="rect">
+            <a:avLst/>
+          </a:prstGeom>
+          <a:noFill/>
+          <a:ln>
+            <a:noFill/>
+          </a:ln>
+        </p:spPr>
+        <p:txBody>
+          <a:bodyPr anchorCtr="0" anchor="t" bIns="91425" lIns="91425" spcFirstLastPara="1" rIns="91425" wrap="square" tIns="91425">
+            <a:spAutoFit/>
+          </a:bodyPr>
+          <a:lstStyle/>
+          <a:p>
+            <a:pPr indent="0" lvl="0" marL="0" rtl="0" algn="l">
+              <a:spcBef>
+                <a:spcPts val="0"/>
+              </a:spcBef>
+              <a:spcAft>
+                <a:spcPts val="0"/>
+              </a:spcAft>
+              <a:buNone/>
+            </a:pPr>
+            <a:r>
+              <a:rPr lang="ko" sz="1600">
+                <a:solidFill>
+                  <a:schemeClr val="dk1"/>
+                </a:solidFill>
+              </a:rPr>
+              <a:t>Get hash</a:t>
+            </a:r>
+            <a:endParaRPr sz="1600">
+              <a:solidFill>
+                <a:schemeClr val="dk1"/>
+              </a:solidFill>
+            </a:endParaRPr>
+          </a:p>
+          <a:p>
+            <a:pPr indent="0" lvl="0" marL="0" rtl="0" algn="l">
+              <a:spcBef>
+                <a:spcPts val="0"/>
+              </a:spcBef>
+              <a:spcAft>
+                <a:spcPts val="0"/>
+              </a:spcAft>
+              <a:buNone/>
+            </a:pPr>
+            <a:r>
+              <a:t/>
+            </a:r>
+            <a:endParaRPr/>
+          </a:p>
+          <a:p>
+            <a:pPr indent="0" lvl="0" marL="0" rtl="0" algn="l">
+              <a:spcBef>
+                <a:spcPts val="0"/>
+              </a:spcBef>
+              <a:spcAft>
+                <a:spcPts val="0"/>
+              </a:spcAft>
+              <a:buNone/>
+            </a:pPr>
+            <a:r>
+              <a:t/>
+            </a:r>
+            <a:endParaRPr/>
+          </a:p>
+        </p:txBody>
+      </p:sp>
+      <p:graphicFrame>
+        <p:nvGraphicFramePr>
+          <p:cNvPr id="131" name="Google Shape;131;p25"/>
+          <p:cNvGraphicFramePr/>
+          <p:nvPr/>
+        </p:nvGraphicFramePr>
+        <p:xfrm>
+          <a:off x="274125" y="1507425"/>
+          <a:ext cx="3000000" cy="3000000"/>
+        </p:xfrm>
+        <a:graphic>
+          <a:graphicData uri="http://schemas.openxmlformats.org/drawingml/2006/table">
+            <a:tbl>
+              <a:tblPr>
+                <a:noFill/>
+                <a:tableStyleId>{7EEE5744-F368-4B32-B27F-540C0DF30A77}</a:tableStyleId>
+              </a:tblPr>
+              <a:tblGrid>
+                <a:gridCol w="8160900"/>
+              </a:tblGrid>
+              <a:tr h="436725">
+                <a:tc>
+                  <a:txBody>
+                    <a:bodyPr/>
+                    <a:lstStyle/>
+                    <a:p>
+                      <a:pPr indent="0" lvl="0" marL="0" rtl="0" algn="l">
+                        <a:spcBef>
+                          <a:spcPts val="0"/>
+                        </a:spcBef>
+                        <a:spcAft>
+                          <a:spcPts val="0"/>
+                        </a:spcAft>
+                        <a:buClr>
+                          <a:schemeClr val="dk1"/>
+                        </a:buClr>
+                        <a:buSzPts val="1100"/>
+                        <a:buFont typeface="Arial"/>
+                        <a:buNone/>
+                      </a:pPr>
+                      <a:r>
+                        <a:rPr lang="ko" sz="900">
+                          <a:solidFill>
+                            <a:schemeClr val="dk1"/>
+                          </a:solidFill>
+                        </a:rPr>
+                        <a:t>$ openssl sha256 facenetModels/*</a:t>
+                      </a:r>
+                      <a:endParaRPr sz="900">
+                        <a:solidFill>
+                          <a:schemeClr val="dk1"/>
+                        </a:solidFill>
+                      </a:endParaRPr>
+                    </a:p>
+                    <a:p>
+                      <a:pPr indent="0" lvl="0" marL="0" rtl="0" algn="l">
+                        <a:spcBef>
+                          <a:spcPts val="0"/>
+                        </a:spcBef>
+                        <a:spcAft>
+                          <a:spcPts val="0"/>
+                        </a:spcAft>
+                        <a:buClr>
+                          <a:schemeClr val="dk1"/>
+                        </a:buClr>
+                        <a:buSzPts val="1100"/>
+                        <a:buFont typeface="Arial"/>
+                        <a:buNone/>
+                      </a:pPr>
+                      <a:r>
+                        <a:rPr lang="ko" sz="900">
+                          <a:solidFill>
+                            <a:schemeClr val="dk1"/>
+                          </a:solidFill>
+                        </a:rPr>
+                        <a:t>SHA256(facenetModels/facenet.engine)= 71493446240e3f9286437c5a0baab41aae6a1e47ddbcb21a24079440ba0e5d86</a:t>
+                      </a:r>
+                      <a:endParaRPr sz="900">
+                        <a:solidFill>
+                          <a:schemeClr val="dk1"/>
+                        </a:solidFill>
+                      </a:endParaRPr>
+                    </a:p>
+                    <a:p>
+                      <a:pPr indent="0" lvl="0" marL="0" rtl="0" algn="l">
+                        <a:spcBef>
+                          <a:spcPts val="0"/>
+                        </a:spcBef>
+                        <a:spcAft>
+                          <a:spcPts val="0"/>
+                        </a:spcAft>
+                        <a:buClr>
+                          <a:schemeClr val="dk1"/>
+                        </a:buClr>
+                        <a:buSzPts val="1100"/>
+                        <a:buFont typeface="Arial"/>
+                        <a:buNone/>
+                      </a:pPr>
+                      <a:r>
+                        <a:rPr lang="ko" sz="900">
+                          <a:solidFill>
+                            <a:schemeClr val="dk1"/>
+                          </a:solidFill>
+                        </a:rPr>
+                        <a:t>SHA256(facenetModels/facenet.uff)= 7049d18ad472b535ccd022edf80707d6598ad81472028f1c0024274524ff6ce4</a:t>
+                      </a:r>
+                      <a:endParaRPr sz="900">
+                        <a:solidFill>
+                          <a:schemeClr val="dk1"/>
+                        </a:solidFill>
+                      </a:endParaRPr>
+                    </a:p>
+                    <a:p>
+                      <a:pPr indent="0" lvl="0" marL="0" rtl="0" algn="l">
+                        <a:spcBef>
+                          <a:spcPts val="0"/>
+                        </a:spcBef>
+                        <a:spcAft>
+                          <a:spcPts val="0"/>
+                        </a:spcAft>
+                        <a:buClr>
+                          <a:schemeClr val="dk1"/>
+                        </a:buClr>
+                        <a:buSzPts val="1100"/>
+                        <a:buFont typeface="Arial"/>
+                        <a:buNone/>
+                      </a:pPr>
+                      <a:r>
+                        <a:rPr lang="ko" sz="900">
+                          <a:solidFill>
+                            <a:schemeClr val="dk1"/>
+                          </a:solidFill>
+                        </a:rPr>
+                        <a:t>SHA256(facenetModels/README.md)= c7337e9a56c2228229728eb09b823f85025e21387e228e32d3fb8e0d8658d7af</a:t>
+                      </a:r>
+                      <a:endParaRPr sz="900">
+                        <a:solidFill>
+                          <a:schemeClr val="dk1"/>
+                        </a:solidFill>
+                      </a:endParaRPr>
+                    </a:p>
+                    <a:p>
+                      <a:pPr indent="0" lvl="0" marL="0" rtl="0" algn="l">
+                        <a:spcBef>
+                          <a:spcPts val="0"/>
+                        </a:spcBef>
+                        <a:spcAft>
+                          <a:spcPts val="0"/>
+                        </a:spcAft>
+                        <a:buClr>
+                          <a:schemeClr val="dk1"/>
+                        </a:buClr>
+                        <a:buSzPts val="1100"/>
+                        <a:buFont typeface="Arial"/>
+                        <a:buNone/>
+                      </a:pPr>
+                      <a:r>
+                        <a:t/>
+                      </a:r>
+                      <a:endParaRPr sz="900">
+                        <a:solidFill>
+                          <a:schemeClr val="dk1"/>
+                        </a:solidFill>
+                      </a:endParaRPr>
+                    </a:p>
+                    <a:p>
+                      <a:pPr indent="0" lvl="0" marL="0" rtl="0" algn="l">
+                        <a:spcBef>
+                          <a:spcPts val="0"/>
+                        </a:spcBef>
+                        <a:spcAft>
+                          <a:spcPts val="0"/>
+                        </a:spcAft>
+                        <a:buClr>
+                          <a:schemeClr val="dk1"/>
+                        </a:buClr>
+                        <a:buSzPts val="1100"/>
+                        <a:buFont typeface="Arial"/>
+                        <a:buNone/>
+                      </a:pPr>
+                      <a:r>
+                        <a:rPr lang="ko" sz="900">
+                          <a:solidFill>
+                            <a:schemeClr val="dk1"/>
+                          </a:solidFill>
+                        </a:rPr>
+                        <a:t>$ openssl sha256 mtCNNModels/*</a:t>
+                      </a:r>
+                      <a:endParaRPr sz="900">
+                        <a:solidFill>
+                          <a:schemeClr val="dk1"/>
+                        </a:solidFill>
+                      </a:endParaRPr>
+                    </a:p>
+                    <a:p>
+                      <a:pPr indent="0" lvl="0" marL="0" rtl="0" algn="l">
+                        <a:spcBef>
+                          <a:spcPts val="0"/>
+                        </a:spcBef>
+                        <a:spcAft>
+                          <a:spcPts val="0"/>
+                        </a:spcAft>
+                        <a:buClr>
+                          <a:schemeClr val="dk1"/>
+                        </a:buClr>
+                        <a:buSzPts val="1100"/>
+                        <a:buFont typeface="Arial"/>
+                        <a:buNone/>
+                      </a:pPr>
+                      <a:r>
+                        <a:rPr lang="ko" sz="900">
+                          <a:solidFill>
+                            <a:schemeClr val="dk1"/>
+                          </a:solidFill>
+                        </a:rPr>
+                        <a:t>SHA256(mtCNNModels/det1_relu1.engine)= 3c26255262c050185c5fa45521a96fedda59f635457b5c8795268a749f7a4c70</a:t>
+                      </a:r>
+                      <a:endParaRPr sz="900">
+                        <a:solidFill>
+                          <a:schemeClr val="dk1"/>
+                        </a:solidFill>
+                      </a:endParaRPr>
+                    </a:p>
+                    <a:p>
+                      <a:pPr indent="0" lvl="0" marL="0" rtl="0" algn="l">
+                        <a:spcBef>
+                          <a:spcPts val="0"/>
+                        </a:spcBef>
+                        <a:spcAft>
+                          <a:spcPts val="0"/>
+                        </a:spcAft>
+                        <a:buClr>
+                          <a:schemeClr val="dk1"/>
+                        </a:buClr>
+                        <a:buSzPts val="1100"/>
+                        <a:buFont typeface="Arial"/>
+                        <a:buNone/>
+                      </a:pPr>
+                      <a:r>
+                        <a:rPr lang="ko" sz="900">
+                          <a:solidFill>
+                            <a:schemeClr val="dk1"/>
+                          </a:solidFill>
+                        </a:rPr>
+                        <a:t>SHA256(mtCNNModels/det1_relu2.engine)= 9aab5f7788dc385391324c1bf6e51e92c5a2fdbf2f337490bf6cbbb063032a00</a:t>
+                      </a:r>
+                      <a:endParaRPr sz="900">
+                        <a:solidFill>
+                          <a:schemeClr val="dk1"/>
+                        </a:solidFill>
+                      </a:endParaRPr>
+                    </a:p>
+                    <a:p>
+                      <a:pPr indent="0" lvl="0" marL="0" rtl="0" algn="l">
+                        <a:spcBef>
+                          <a:spcPts val="0"/>
+                        </a:spcBef>
+                        <a:spcAft>
+                          <a:spcPts val="0"/>
+                        </a:spcAft>
+                        <a:buClr>
+                          <a:schemeClr val="dk1"/>
+                        </a:buClr>
+                        <a:buSzPts val="1100"/>
+                        <a:buFont typeface="Arial"/>
+                        <a:buNone/>
+                      </a:pPr>
+                      <a:r>
+                        <a:rPr lang="ko" sz="900">
+                          <a:solidFill>
+                            <a:schemeClr val="dk1"/>
+                          </a:solidFill>
+                        </a:rPr>
+                        <a:t>SHA256(mtCNNModels/det1_relu3.engine)= 0c7a81f29c930acb1ce67ca64a107b74ff3917760a8e7bdcd45343d6db4f022c</a:t>
+                      </a:r>
+                      <a:endParaRPr sz="900">
+                        <a:solidFill>
+                          <a:schemeClr val="dk1"/>
+                        </a:solidFill>
+                      </a:endParaRPr>
+                    </a:p>
+                    <a:p>
+                      <a:pPr indent="0" lvl="0" marL="0" rtl="0" algn="l">
+                        <a:spcBef>
+                          <a:spcPts val="0"/>
+                        </a:spcBef>
+                        <a:spcAft>
+                          <a:spcPts val="0"/>
+                        </a:spcAft>
+                        <a:buClr>
+                          <a:schemeClr val="dk1"/>
+                        </a:buClr>
+                        <a:buSzPts val="1100"/>
+                        <a:buFont typeface="Arial"/>
+                        <a:buNone/>
+                      </a:pPr>
+                      <a:r>
+                        <a:rPr lang="ko" sz="900">
+                          <a:solidFill>
+                            <a:schemeClr val="dk1"/>
+                          </a:solidFill>
+                        </a:rPr>
+                        <a:t>SHA256(mtCNNModels/det1_relu4.engine)= 63866e8b088bd3e12fb4122dc569ee78e6b8c769dd529ffe62fb7f938d6659d5</a:t>
+                      </a:r>
+                      <a:endParaRPr sz="900">
+                        <a:solidFill>
+                          <a:schemeClr val="dk1"/>
+                        </a:solidFill>
+                      </a:endParaRPr>
+                    </a:p>
+                    <a:p>
+                      <a:pPr indent="0" lvl="0" marL="0" rtl="0" algn="l">
+                        <a:spcBef>
+                          <a:spcPts val="0"/>
+                        </a:spcBef>
+                        <a:spcAft>
+                          <a:spcPts val="0"/>
+                        </a:spcAft>
+                        <a:buClr>
+                          <a:schemeClr val="dk1"/>
+                        </a:buClr>
+                        <a:buSzPts val="1100"/>
+                        <a:buFont typeface="Arial"/>
+                        <a:buNone/>
+                      </a:pPr>
+                      <a:r>
+                        <a:rPr lang="ko" sz="900">
+                          <a:solidFill>
+                            <a:schemeClr val="dk1"/>
+                          </a:solidFill>
+                        </a:rPr>
+                        <a:t>SHA256(mtCNNModels/det1_relu5.engine)= 749a2f60a17677f3052cfca78fc6040d1b0a540766acfa70777203ed2f59f463</a:t>
+                      </a:r>
+                      <a:endParaRPr sz="900">
+                        <a:solidFill>
+                          <a:schemeClr val="dk1"/>
+                        </a:solidFill>
+                      </a:endParaRPr>
+                    </a:p>
+                    <a:p>
+                      <a:pPr indent="0" lvl="0" marL="0" rtl="0" algn="l">
+                        <a:spcBef>
+                          <a:spcPts val="0"/>
+                        </a:spcBef>
+                        <a:spcAft>
+                          <a:spcPts val="0"/>
+                        </a:spcAft>
+                        <a:buClr>
+                          <a:schemeClr val="dk1"/>
+                        </a:buClr>
+                        <a:buSzPts val="1100"/>
+                        <a:buFont typeface="Arial"/>
+                        <a:buNone/>
+                      </a:pPr>
+                      <a:r>
+                        <a:rPr lang="ko" sz="900">
+                          <a:solidFill>
+                            <a:schemeClr val="dk1"/>
+                          </a:solidFill>
+                        </a:rPr>
+                        <a:t>SHA256(mtCNNModels/det1_relu6.engine)= e4ac1e0b5ff0383fb3fd612826d0ac94fa67f094350c6439ab07b88d12fd6df9</a:t>
+                      </a:r>
+                      <a:endParaRPr sz="900">
+                        <a:solidFill>
+                          <a:schemeClr val="dk1"/>
+                        </a:solidFill>
+                      </a:endParaRPr>
+                    </a:p>
+                    <a:p>
+                      <a:pPr indent="0" lvl="0" marL="0" rtl="0" algn="l">
+                        <a:spcBef>
+                          <a:spcPts val="0"/>
+                        </a:spcBef>
+                        <a:spcAft>
+                          <a:spcPts val="0"/>
+                        </a:spcAft>
+                        <a:buClr>
+                          <a:schemeClr val="dk1"/>
+                        </a:buClr>
+                        <a:buSzPts val="1100"/>
+                        <a:buFont typeface="Arial"/>
+                        <a:buNone/>
+                      </a:pPr>
+                      <a:r>
+                        <a:rPr lang="ko" sz="900">
+                          <a:solidFill>
+                            <a:schemeClr val="dk1"/>
+                          </a:solidFill>
+                        </a:rPr>
+                        <a:t>SHA256(mtCNNModels/det1_relu7.engine)= fafbf0d0bd89ee02929940878b45edb80a0497bb99f881aab7b618a511434877</a:t>
+                      </a:r>
+                      <a:endParaRPr sz="900">
+                        <a:solidFill>
+                          <a:schemeClr val="dk1"/>
+                        </a:solidFill>
+                      </a:endParaRPr>
+                    </a:p>
+                    <a:p>
+                      <a:pPr indent="0" lvl="0" marL="0" rtl="0" algn="l">
+                        <a:spcBef>
+                          <a:spcPts val="0"/>
+                        </a:spcBef>
+                        <a:spcAft>
+                          <a:spcPts val="0"/>
+                        </a:spcAft>
+                        <a:buClr>
+                          <a:schemeClr val="dk1"/>
+                        </a:buClr>
+                        <a:buSzPts val="1100"/>
+                        <a:buFont typeface="Arial"/>
+                        <a:buNone/>
+                      </a:pPr>
+                      <a:r>
+                        <a:rPr lang="ko" sz="900">
+                          <a:solidFill>
+                            <a:schemeClr val="dk1"/>
+                          </a:solidFill>
+                        </a:rPr>
+                        <a:t>SHA256(mtCNNModels/det1_relu.caffemodel)= b46dbcf61b858c1ec67ffdf86b805a050e25b095b5f172b8bdedd48149f2dbbf</a:t>
+                      </a:r>
+                      <a:endParaRPr sz="900">
+                        <a:solidFill>
+                          <a:schemeClr val="dk1"/>
+                        </a:solidFill>
+                      </a:endParaRPr>
+                    </a:p>
+                    <a:p>
+                      <a:pPr indent="0" lvl="0" marL="0" rtl="0" algn="l">
+                        <a:spcBef>
+                          <a:spcPts val="0"/>
+                        </a:spcBef>
+                        <a:spcAft>
+                          <a:spcPts val="0"/>
+                        </a:spcAft>
+                        <a:buClr>
+                          <a:schemeClr val="dk1"/>
+                        </a:buClr>
+                        <a:buSzPts val="1100"/>
+                        <a:buFont typeface="Arial"/>
+                        <a:buNone/>
+                      </a:pPr>
+                      <a:r>
+                        <a:rPr lang="ko" sz="900">
+                          <a:solidFill>
+                            <a:schemeClr val="dk1"/>
+                          </a:solidFill>
+                        </a:rPr>
+                        <a:t>SHA256(mtCNNModels/det1_relu.prototxt)= 6e1bedd5b73017623249445b43a1ca07eeb68343ff310bce4348bda9e3a50567</a:t>
+                      </a:r>
+                      <a:endParaRPr sz="900">
+                        <a:solidFill>
+                          <a:schemeClr val="dk1"/>
+                        </a:solidFill>
+                      </a:endParaRPr>
+                    </a:p>
+                    <a:p>
+                      <a:pPr indent="0" lvl="0" marL="0" rtl="0" algn="l">
+                        <a:spcBef>
+                          <a:spcPts val="0"/>
+                        </a:spcBef>
+                        <a:spcAft>
+                          <a:spcPts val="0"/>
+                        </a:spcAft>
+                        <a:buClr>
+                          <a:schemeClr val="dk1"/>
+                        </a:buClr>
+                        <a:buSzPts val="1100"/>
+                        <a:buFont typeface="Arial"/>
+                        <a:buNone/>
+                      </a:pPr>
+                      <a:r>
+                        <a:rPr lang="ko" sz="900">
+                          <a:solidFill>
+                            <a:schemeClr val="dk1"/>
+                          </a:solidFill>
+                        </a:rPr>
+                        <a:t>SHA256(mtCNNModels/det2_relu.caffemodel)= 053a4445c392878649aeed457ea1f3f7f5a1e23bfe29cb038c451131ed96a469</a:t>
+                      </a:r>
+                      <a:endParaRPr sz="900">
+                        <a:solidFill>
+                          <a:schemeClr val="dk1"/>
+                        </a:solidFill>
+                      </a:endParaRPr>
+                    </a:p>
+                    <a:p>
+                      <a:pPr indent="0" lvl="0" marL="0" rtl="0" algn="l">
+                        <a:spcBef>
+                          <a:spcPts val="0"/>
+                        </a:spcBef>
+                        <a:spcAft>
+                          <a:spcPts val="0"/>
+                        </a:spcAft>
+                        <a:buClr>
+                          <a:schemeClr val="dk1"/>
+                        </a:buClr>
+                        <a:buSzPts val="1100"/>
+                        <a:buFont typeface="Arial"/>
+                        <a:buNone/>
+                      </a:pPr>
+                      <a:r>
+                        <a:rPr lang="ko" sz="900">
+                          <a:solidFill>
+                            <a:schemeClr val="dk1"/>
+                          </a:solidFill>
+                        </a:rPr>
+                        <a:t>SHA256(mtCNNModels/det2_relu.engine)= 2253f2a34e568d0a9c033ae5028e9339918fff4d4c2832bf351d28f06b5b3ac5</a:t>
+                      </a:r>
+                      <a:endParaRPr sz="900">
+                        <a:solidFill>
+                          <a:schemeClr val="dk1"/>
+                        </a:solidFill>
+                      </a:endParaRPr>
+                    </a:p>
+                    <a:p>
+                      <a:pPr indent="0" lvl="0" marL="0" rtl="0" algn="l">
+                        <a:spcBef>
+                          <a:spcPts val="0"/>
+                        </a:spcBef>
+                        <a:spcAft>
+                          <a:spcPts val="0"/>
+                        </a:spcAft>
+                        <a:buClr>
+                          <a:schemeClr val="dk1"/>
+                        </a:buClr>
+                        <a:buSzPts val="1100"/>
+                        <a:buFont typeface="Arial"/>
+                        <a:buNone/>
+                      </a:pPr>
+                      <a:r>
+                        <a:rPr lang="ko" sz="900">
+                          <a:solidFill>
+                            <a:schemeClr val="dk1"/>
+                          </a:solidFill>
+                        </a:rPr>
+                        <a:t>SHA256(mtCNNModels/det2_relu.prototxt)= 3d6986b38f98954f57be8108f1b09794e2890906f2006526172139c3b5a2bff6</a:t>
+                      </a:r>
+                      <a:endParaRPr sz="900">
+                        <a:solidFill>
+                          <a:schemeClr val="dk1"/>
+                        </a:solidFill>
+                      </a:endParaRPr>
+                    </a:p>
+                    <a:p>
+                      <a:pPr indent="0" lvl="0" marL="0" rtl="0" algn="l">
+                        <a:spcBef>
+                          <a:spcPts val="0"/>
+                        </a:spcBef>
+                        <a:spcAft>
+                          <a:spcPts val="0"/>
+                        </a:spcAft>
+                        <a:buClr>
+                          <a:schemeClr val="dk1"/>
+                        </a:buClr>
+                        <a:buSzPts val="1100"/>
+                        <a:buFont typeface="Arial"/>
+                        <a:buNone/>
+                      </a:pPr>
+                      <a:r>
+                        <a:rPr lang="ko" sz="900">
+                          <a:solidFill>
+                            <a:schemeClr val="dk1"/>
+                          </a:solidFill>
+                        </a:rPr>
+                        <a:t>SHA256(mtCNNModels/det3_relu.caffemodel)= f5bf43cd05feea8fb5f7250dcc610065308e66f44b1fb2cd956bfcd43ae58c79</a:t>
+                      </a:r>
+                      <a:endParaRPr sz="900">
+                        <a:solidFill>
+                          <a:schemeClr val="dk1"/>
+                        </a:solidFill>
+                      </a:endParaRPr>
+                    </a:p>
+                    <a:p>
+                      <a:pPr indent="0" lvl="0" marL="0" rtl="0" algn="l">
+                        <a:spcBef>
+                          <a:spcPts val="0"/>
+                        </a:spcBef>
+                        <a:spcAft>
+                          <a:spcPts val="0"/>
+                        </a:spcAft>
+                        <a:buClr>
+                          <a:schemeClr val="dk1"/>
+                        </a:buClr>
+                        <a:buSzPts val="1100"/>
+                        <a:buFont typeface="Arial"/>
+                        <a:buNone/>
+                      </a:pPr>
+                      <a:r>
+                        <a:rPr lang="ko" sz="900">
+                          <a:solidFill>
+                            <a:schemeClr val="dk1"/>
+                          </a:solidFill>
+                        </a:rPr>
+                        <a:t>SHA256(mtCNNModels/det3_relu.engine)= be3c6934f2c112f34f20a3a99f1ee8bb7d272894a2fa772c99fcacf1ae419507</a:t>
+                      </a:r>
+                      <a:endParaRPr sz="900">
+                        <a:solidFill>
+                          <a:schemeClr val="dk1"/>
+                        </a:solidFill>
+                      </a:endParaRPr>
+                    </a:p>
+                    <a:p>
+                      <a:pPr indent="0" lvl="0" marL="0" rtl="0" algn="l">
+                        <a:spcBef>
+                          <a:spcPts val="0"/>
+                        </a:spcBef>
+                        <a:spcAft>
+                          <a:spcPts val="0"/>
+                        </a:spcAft>
+                        <a:buClr>
+                          <a:schemeClr val="dk1"/>
+                        </a:buClr>
+                        <a:buSzPts val="1100"/>
+                        <a:buFont typeface="Arial"/>
+                        <a:buNone/>
+                      </a:pPr>
+                      <a:r>
+                        <a:rPr lang="ko" sz="900">
+                          <a:solidFill>
+                            <a:schemeClr val="dk1"/>
+                          </a:solidFill>
+                        </a:rPr>
+                        <a:t>SHA256(mtCNNModels/det3_relu.prototxt)= 59f75d1ca76a78333646ff7d6c92e5866f187831f3579345ab7b62406efccf7e</a:t>
+                      </a:r>
+                      <a:endParaRPr sz="900">
+                        <a:solidFill>
+                          <a:schemeClr val="dk1"/>
+                        </a:solidFill>
+                      </a:endParaRPr>
+                    </a:p>
+                    <a:p>
+                      <a:pPr indent="0" lvl="0" marL="0" rtl="0" algn="l">
+                        <a:spcBef>
+                          <a:spcPts val="0"/>
+                        </a:spcBef>
+                        <a:spcAft>
+                          <a:spcPts val="0"/>
+                        </a:spcAft>
+                        <a:buNone/>
+                      </a:pPr>
+                      <a:r>
+                        <a:rPr lang="ko" sz="900">
+                          <a:solidFill>
+                            <a:schemeClr val="dk1"/>
+                          </a:solidFill>
+                        </a:rPr>
+                        <a:t>SHA256(mtCNNModels/README.md)= eee30b9ebf9c7946ec60811d7e969aa8cf09921aecd13a7b9a85043ce2988259</a:t>
+                      </a:r>
+                      <a:endParaRPr sz="900">
+                        <a:solidFill>
+                          <a:schemeClr val="dk1"/>
+                        </a:solidFill>
+                      </a:endParaRPr>
+                    </a:p>
+                    <a:p>
+                      <a:pPr indent="0" lvl="0" marL="0" rtl="0" algn="l">
+                        <a:spcBef>
+                          <a:spcPts val="0"/>
+                        </a:spcBef>
+                        <a:spcAft>
+                          <a:spcPts val="0"/>
+                        </a:spcAft>
+                        <a:buClr>
+                          <a:schemeClr val="dk1"/>
+                        </a:buClr>
+                        <a:buSzPts val="1100"/>
+                        <a:buFont typeface="Arial"/>
+                        <a:buNone/>
+                      </a:pPr>
+                      <a:r>
+                        <a:t/>
+                      </a:r>
+                      <a:endParaRPr sz="900">
+                        <a:solidFill>
+                          <a:schemeClr val="dk1"/>
+                        </a:solidFill>
+                      </a:endParaRPr>
+                    </a:p>
+                    <a:p>
+                      <a:pPr indent="0" lvl="0" marL="0" rtl="0" algn="l">
+                        <a:spcBef>
+                          <a:spcPts val="0"/>
+                        </a:spcBef>
+                        <a:spcAft>
+                          <a:spcPts val="0"/>
+                        </a:spcAft>
+                        <a:buNone/>
+                      </a:pPr>
+                      <a:r>
+                        <a:rPr lang="ko" sz="900">
+                          <a:solidFill>
+                            <a:schemeClr val="dk1"/>
+                          </a:solidFill>
+                        </a:rPr>
+                        <a:t>Appy hash value(right hand of ‘=’ ) to SecurityManager::readKey() at src/SecurityManger.cpp File.</a:t>
+                      </a:r>
+                      <a:endParaRPr>
+                        <a:solidFill>
+                          <a:schemeClr val="dk1"/>
+                        </a:solidFill>
+                      </a:endParaRPr>
+                    </a:p>
+                  </a:txBody>
+                  <a:tcPr marT="91425" marB="91425" marR="91425" marL="91425"/>
+                </a:tc>
+              </a:tr>
+            </a:tbl>
+          </a:graphicData>
+        </a:graphic>
+      </p:graphicFrame>
+    </p:spTree>
+  </p:cSld>
+  <p:clrMapOvr>
+    <a:masterClrMapping/>
+  </p:clrMapOvr>
+</p:sld>
+</file>
+
+<file path=ppt/slides/slide14.xml><?xml version="1.0" encoding="utf-8"?>
+<p:sld xmlns:a="http://schemas.openxmlformats.org/drawingml/2006/main" xmlns:r="http://schemas.openxmlformats.org/officeDocument/2006/relationships" xmlns:mc="http://schemas.openxmlformats.org/markup-compatibility/2006" xmlns:mv="urn:schemas-microsoft-com:mac:vml" xmlns:p="http://schemas.openxmlformats.org/presentationml/2006/main" xmlns:c="http://schemas.openxmlformats.org/drawingml/2006/chart" xmlns:dgm="http://schemas.openxmlformats.org/drawingml/2006/diagram" xmlns:o="urn:schemas-microsoft-com:office:office" xmlns:v="urn:schemas-microsoft-com:vml" xmlns:pvml="urn:schemas-microsoft-com:office:powerpoint" xmlns:com="http://schemas.openxmlformats.org/drawingml/2006/compatibility" xmlns:p14="http://schemas.microsoft.com/office/powerpoint/2010/main" xmlns:p15="http://schemas.microsoft.com/office/powerpoint/2012/main" xmlns:ahyp="http://schemas.microsoft.com/office/drawing/2018/hyperlinkcolor">
+  <p:cSld>
+    <p:spTree>
+      <p:nvGrpSpPr>
+        <p:cNvPr id="135" name="Shape 135"/>
+        <p:cNvGrpSpPr/>
+        <p:nvPr/>
+      </p:nvGrpSpPr>
+      <p:grpSpPr>
+        <a:xfrm>
+          <a:off x="0" y="0"/>
+          <a:ext cx="0" cy="0"/>
+          <a:chOff x="0" y="0"/>
+          <a:chExt cx="0" cy="0"/>
+        </a:xfrm>
+      </p:grpSpPr>
+      <p:sp>
+        <p:nvSpPr>
+          <p:cNvPr id="136" name="Google Shape;136;p26"/>
+          <p:cNvSpPr txBox="1"/>
+          <p:nvPr/>
+        </p:nvSpPr>
+        <p:spPr>
+          <a:xfrm>
+            <a:off x="131625" y="182250"/>
+            <a:ext cx="8160900" cy="923400"/>
+          </a:xfrm>
+          <a:prstGeom prst="rect">
+            <a:avLst/>
+          </a:prstGeom>
+          <a:noFill/>
+          <a:ln>
+            <a:noFill/>
+          </a:ln>
+        </p:spPr>
+        <p:txBody>
+          <a:bodyPr anchorCtr="0" anchor="t" bIns="91425" lIns="91425" spcFirstLastPara="1" rIns="91425" wrap="square" tIns="91425">
+            <a:spAutoFit/>
+          </a:bodyPr>
+          <a:lstStyle/>
+          <a:p>
+            <a:pPr indent="0" lvl="0" marL="0" rtl="0" algn="l">
+              <a:spcBef>
+                <a:spcPts val="0"/>
+              </a:spcBef>
+              <a:spcAft>
+                <a:spcPts val="0"/>
+              </a:spcAft>
+              <a:buNone/>
+            </a:pPr>
+            <a:r>
+              <a:rPr b="1" lang="ko" sz="1600">
+                <a:solidFill>
+                  <a:schemeClr val="dk1"/>
+                </a:solidFill>
+              </a:rPr>
               <a:t>Admin </a:t>
             </a:r>
             <a:r>
@@ -8282,7 +9398,7 @@
       </p:sp>
       <p:graphicFrame>
         <p:nvGraphicFramePr>
-          <p:cNvPr id="130" name="Google Shape;130;p25"/>
+          <p:cNvPr id="137" name="Google Shape;137;p26"/>
           <p:cNvGraphicFramePr/>
           <p:nvPr/>
         </p:nvGraphicFramePr>
@@ -8295,7 +9411,7 @@
             <a:tbl>
               <a:tblPr>
                 <a:noFill/>
-                <a:tableStyleId>{B3EAB1C9-F10B-4B7C-886D-17FA1C0DB575}</a:tableStyleId>
+                <a:tableStyleId>{7EEE5744-F368-4B32-B27F-540C0DF30A77}</a:tableStyleId>
               </a:tblPr>
               <a:tblGrid>
                 <a:gridCol w="8464150"/>
@@ -8795,6 +9911,484 @@
 </p:sld>
 </file>
 
+<file path=ppt/slides/slide15.xml><?xml version="1.0" encoding="utf-8"?>
+<p:sld xmlns:a="http://schemas.openxmlformats.org/drawingml/2006/main" xmlns:r="http://schemas.openxmlformats.org/officeDocument/2006/relationships" xmlns:mc="http://schemas.openxmlformats.org/markup-compatibility/2006" xmlns:mv="urn:schemas-microsoft-com:mac:vml" xmlns:p="http://schemas.openxmlformats.org/presentationml/2006/main" xmlns:c="http://schemas.openxmlformats.org/drawingml/2006/chart" xmlns:dgm="http://schemas.openxmlformats.org/drawingml/2006/diagram" xmlns:o="urn:schemas-microsoft-com:office:office" xmlns:v="urn:schemas-microsoft-com:vml" xmlns:pvml="urn:schemas-microsoft-com:office:powerpoint" xmlns:com="http://schemas.openxmlformats.org/drawingml/2006/compatibility" xmlns:p14="http://schemas.microsoft.com/office/powerpoint/2010/main" xmlns:p15="http://schemas.microsoft.com/office/powerpoint/2012/main" xmlns:ahyp="http://schemas.microsoft.com/office/drawing/2018/hyperlinkcolor">
+  <p:cSld>
+    <p:spTree>
+      <p:nvGrpSpPr>
+        <p:cNvPr id="141" name="Shape 141"/>
+        <p:cNvGrpSpPr/>
+        <p:nvPr/>
+      </p:nvGrpSpPr>
+      <p:grpSpPr>
+        <a:xfrm>
+          <a:off x="0" y="0"/>
+          <a:ext cx="0" cy="0"/>
+          <a:chOff x="0" y="0"/>
+          <a:chExt cx="0" cy="0"/>
+        </a:xfrm>
+      </p:grpSpPr>
+      <p:sp>
+        <p:nvSpPr>
+          <p:cNvPr id="142" name="Google Shape;142;p27"/>
+          <p:cNvSpPr txBox="1"/>
+          <p:nvPr/>
+        </p:nvSpPr>
+        <p:spPr>
+          <a:xfrm>
+            <a:off x="131625" y="182250"/>
+            <a:ext cx="8160900" cy="4910100"/>
+          </a:xfrm>
+          <a:prstGeom prst="rect">
+            <a:avLst/>
+          </a:prstGeom>
+          <a:noFill/>
+          <a:ln>
+            <a:noFill/>
+          </a:ln>
+        </p:spPr>
+        <p:txBody>
+          <a:bodyPr anchorCtr="0" anchor="t" bIns="91425" lIns="91425" spcFirstLastPara="1" rIns="91425" wrap="square" tIns="91425">
+            <a:spAutoFit/>
+          </a:bodyPr>
+          <a:lstStyle/>
+          <a:p>
+            <a:pPr indent="0" lvl="0" marL="0" rtl="0" algn="l">
+              <a:spcBef>
+                <a:spcPts val="0"/>
+              </a:spcBef>
+              <a:spcAft>
+                <a:spcPts val="0"/>
+              </a:spcAft>
+              <a:buNone/>
+            </a:pPr>
+            <a:r>
+              <a:rPr b="1" lang="ko" sz="1600">
+                <a:solidFill>
+                  <a:schemeClr val="dk1"/>
+                </a:solidFill>
+              </a:rPr>
+              <a:t>Deployment </a:t>
+            </a:r>
+            <a:r>
+              <a:rPr b="1" lang="ko" sz="1600">
+                <a:solidFill>
+                  <a:schemeClr val="dk1"/>
+                </a:solidFill>
+              </a:rPr>
+              <a:t>Setup</a:t>
+            </a:r>
+            <a:endParaRPr b="1" sz="1600">
+              <a:solidFill>
+                <a:schemeClr val="dk1"/>
+              </a:solidFill>
+            </a:endParaRPr>
+          </a:p>
+          <a:p>
+            <a:pPr indent="0" lvl="0" marL="0" rtl="0" algn="l">
+              <a:spcBef>
+                <a:spcPts val="0"/>
+              </a:spcBef>
+              <a:spcAft>
+                <a:spcPts val="0"/>
+              </a:spcAft>
+              <a:buNone/>
+            </a:pPr>
+            <a:r>
+              <a:t/>
+            </a:r>
+            <a:endParaRPr sz="1600">
+              <a:solidFill>
+                <a:schemeClr val="dk1"/>
+              </a:solidFill>
+            </a:endParaRPr>
+          </a:p>
+          <a:p>
+            <a:pPr indent="0" lvl="0" marL="0" rtl="0" algn="l">
+              <a:spcBef>
+                <a:spcPts val="0"/>
+              </a:spcBef>
+              <a:spcAft>
+                <a:spcPts val="0"/>
+              </a:spcAft>
+              <a:buNone/>
+            </a:pPr>
+            <a:r>
+              <a:rPr b="1" lang="ko" sz="1500">
+                <a:solidFill>
+                  <a:schemeClr val="dk1"/>
+                </a:solidFill>
+              </a:rPr>
+              <a:t>Download deployment</a:t>
+            </a:r>
+            <a:endParaRPr b="1" sz="1500">
+              <a:solidFill>
+                <a:schemeClr val="dk1"/>
+              </a:solidFill>
+            </a:endParaRPr>
+          </a:p>
+          <a:p>
+            <a:pPr indent="0" lvl="0" marL="0" rtl="0" algn="l">
+              <a:spcBef>
+                <a:spcPts val="0"/>
+              </a:spcBef>
+              <a:spcAft>
+                <a:spcPts val="0"/>
+              </a:spcAft>
+              <a:buNone/>
+            </a:pPr>
+            <a:r>
+              <a:rPr lang="ko" sz="1600" u="sng">
+                <a:solidFill>
+                  <a:schemeClr val="hlink"/>
+                </a:solidFill>
+                <a:hlinkClick r:id="rId3"/>
+              </a:rPr>
+              <a:t>https://github.com/SWSS2021Team3/ProjectDocuments</a:t>
+            </a:r>
+            <a:endParaRPr sz="1600">
+              <a:solidFill>
+                <a:schemeClr val="dk1"/>
+              </a:solidFill>
+            </a:endParaRPr>
+          </a:p>
+          <a:p>
+            <a:pPr indent="0" lvl="0" marL="0" rtl="0" algn="l">
+              <a:spcBef>
+                <a:spcPts val="0"/>
+              </a:spcBef>
+              <a:spcAft>
+                <a:spcPts val="0"/>
+              </a:spcAft>
+              <a:buNone/>
+            </a:pPr>
+            <a:r>
+              <a:rPr lang="ko" sz="1600">
+                <a:solidFill>
+                  <a:schemeClr val="dk1"/>
+                </a:solidFill>
+              </a:rPr>
+              <a:t>It exists in the deploy subdirectory of ProjectDocuments</a:t>
+            </a:r>
+            <a:endParaRPr sz="1600">
+              <a:solidFill>
+                <a:schemeClr val="dk1"/>
+              </a:solidFill>
+            </a:endParaRPr>
+          </a:p>
+          <a:p>
+            <a:pPr indent="0" lvl="0" marL="0" rtl="0" algn="l">
+              <a:spcBef>
+                <a:spcPts val="0"/>
+              </a:spcBef>
+              <a:spcAft>
+                <a:spcPts val="0"/>
+              </a:spcAft>
+              <a:buNone/>
+            </a:pPr>
+            <a:r>
+              <a:t/>
+            </a:r>
+            <a:endParaRPr sz="1600">
+              <a:solidFill>
+                <a:schemeClr val="dk1"/>
+              </a:solidFill>
+            </a:endParaRPr>
+          </a:p>
+          <a:p>
+            <a:pPr indent="0" lvl="0" marL="0" rtl="0" algn="l">
+              <a:spcBef>
+                <a:spcPts val="0"/>
+              </a:spcBef>
+              <a:spcAft>
+                <a:spcPts val="0"/>
+              </a:spcAft>
+              <a:buClr>
+                <a:schemeClr val="dk1"/>
+              </a:buClr>
+              <a:buSzPts val="1100"/>
+              <a:buFont typeface="Arial"/>
+              <a:buNone/>
+            </a:pPr>
+            <a:r>
+              <a:rPr b="1" lang="ko" sz="1500"/>
+              <a:t>ACS : Attendance Check System (PC)</a:t>
+            </a:r>
+            <a:endParaRPr b="1" sz="1500"/>
+          </a:p>
+          <a:p>
+            <a:pPr indent="-317500" lvl="0" marL="457200" rtl="0" algn="l">
+              <a:spcBef>
+                <a:spcPts val="0"/>
+              </a:spcBef>
+              <a:spcAft>
+                <a:spcPts val="0"/>
+              </a:spcAft>
+              <a:buSzPts val="1400"/>
+              <a:buChar char="●"/>
+            </a:pPr>
+            <a:r>
+              <a:rPr lang="ko"/>
+              <a:t>unzip ACS.zip</a:t>
+            </a:r>
+            <a:endParaRPr/>
+          </a:p>
+          <a:p>
+            <a:pPr indent="-317500" lvl="0" marL="457200" rtl="0" algn="l">
+              <a:spcBef>
+                <a:spcPts val="0"/>
+              </a:spcBef>
+              <a:spcAft>
+                <a:spcPts val="0"/>
+              </a:spcAft>
+              <a:buSzPts val="1400"/>
+              <a:buChar char="●"/>
+            </a:pPr>
+            <a:r>
+              <a:rPr lang="ko"/>
+              <a:t>run ACS.exe</a:t>
+            </a:r>
+            <a:endParaRPr/>
+          </a:p>
+          <a:p>
+            <a:pPr indent="0" lvl="0" marL="0" rtl="0" algn="l">
+              <a:spcBef>
+                <a:spcPts val="0"/>
+              </a:spcBef>
+              <a:spcAft>
+                <a:spcPts val="0"/>
+              </a:spcAft>
+              <a:buClr>
+                <a:schemeClr val="dk1"/>
+              </a:buClr>
+              <a:buSzPts val="1100"/>
+              <a:buFont typeface="Arial"/>
+              <a:buNone/>
+            </a:pPr>
+            <a:r>
+              <a:t/>
+            </a:r>
+            <a:endParaRPr/>
+          </a:p>
+          <a:p>
+            <a:pPr indent="0" lvl="0" marL="0" rtl="0" algn="l">
+              <a:spcBef>
+                <a:spcPts val="0"/>
+              </a:spcBef>
+              <a:spcAft>
+                <a:spcPts val="0"/>
+              </a:spcAft>
+              <a:buClr>
+                <a:schemeClr val="dk1"/>
+              </a:buClr>
+              <a:buSzPts val="1100"/>
+              <a:buFont typeface="Arial"/>
+              <a:buNone/>
+            </a:pPr>
+            <a:r>
+              <a:rPr b="1" lang="ko" sz="1500"/>
+              <a:t>FRS : Face Recognition System (Jetson Nano)</a:t>
+            </a:r>
+            <a:endParaRPr b="1" sz="1500"/>
+          </a:p>
+          <a:p>
+            <a:pPr indent="0" lvl="0" marL="0" rtl="0" algn="l">
+              <a:spcBef>
+                <a:spcPts val="0"/>
+              </a:spcBef>
+              <a:spcAft>
+                <a:spcPts val="0"/>
+              </a:spcAft>
+              <a:buClr>
+                <a:schemeClr val="dk1"/>
+              </a:buClr>
+              <a:buSzPts val="1100"/>
+              <a:buFont typeface="Arial"/>
+              <a:buNone/>
+            </a:pPr>
+            <a:r>
+              <a:rPr lang="ko"/>
+              <a:t>Install</a:t>
+            </a:r>
+            <a:endParaRPr/>
+          </a:p>
+          <a:p>
+            <a:pPr indent="-317500" lvl="0" marL="457200" rtl="0" algn="l">
+              <a:spcBef>
+                <a:spcPts val="0"/>
+              </a:spcBef>
+              <a:spcAft>
+                <a:spcPts val="0"/>
+              </a:spcAft>
+              <a:buSzPts val="1400"/>
+              <a:buChar char="●"/>
+            </a:pPr>
+            <a:r>
+              <a:rPr lang="ko"/>
+              <a:t>cat FRS.tar* | tar xvf -</a:t>
+            </a:r>
+            <a:endParaRPr/>
+          </a:p>
+          <a:p>
+            <a:pPr indent="-317500" lvl="0" marL="457200" rtl="0" algn="l">
+              <a:spcBef>
+                <a:spcPts val="0"/>
+              </a:spcBef>
+              <a:spcAft>
+                <a:spcPts val="0"/>
+              </a:spcAft>
+              <a:buSzPts val="1400"/>
+              <a:buChar char="●"/>
+            </a:pPr>
+            <a:r>
+              <a:rPr lang="ko"/>
+              <a:t>unzip FRS.zip</a:t>
+            </a:r>
+            <a:endParaRPr/>
+          </a:p>
+          <a:p>
+            <a:pPr indent="-317500" lvl="0" marL="457200" rtl="0" algn="l">
+              <a:spcBef>
+                <a:spcPts val="0"/>
+              </a:spcBef>
+              <a:spcAft>
+                <a:spcPts val="0"/>
+              </a:spcAft>
+              <a:buSzPts val="1400"/>
+              <a:buChar char="●"/>
+            </a:pPr>
+            <a:r>
+              <a:rPr lang="ko"/>
+              <a:t>cd deploy</a:t>
+            </a:r>
+            <a:endParaRPr/>
+          </a:p>
+          <a:p>
+            <a:pPr indent="0" lvl="0" marL="0" rtl="0" algn="l">
+              <a:spcBef>
+                <a:spcPts val="0"/>
+              </a:spcBef>
+              <a:spcAft>
+                <a:spcPts val="0"/>
+              </a:spcAft>
+              <a:buClr>
+                <a:schemeClr val="dk1"/>
+              </a:buClr>
+              <a:buSzPts val="1100"/>
+              <a:buFont typeface="Arial"/>
+              <a:buNone/>
+            </a:pPr>
+            <a:r>
+              <a:t/>
+            </a:r>
+            <a:endParaRPr/>
+          </a:p>
+          <a:p>
+            <a:pPr indent="0" lvl="0" marL="0" rtl="0" algn="l">
+              <a:spcBef>
+                <a:spcPts val="0"/>
+              </a:spcBef>
+              <a:spcAft>
+                <a:spcPts val="0"/>
+              </a:spcAft>
+              <a:buClr>
+                <a:schemeClr val="dk1"/>
+              </a:buClr>
+              <a:buSzPts val="1100"/>
+              <a:buFont typeface="Arial"/>
+              <a:buNone/>
+            </a:pPr>
+            <a:r>
+              <a:rPr lang="ko"/>
+              <a:t>Run Camera mode (has some problem with closing camera)</a:t>
+            </a:r>
+            <a:endParaRPr/>
+          </a:p>
+          <a:p>
+            <a:pPr indent="-317500" lvl="0" marL="457200" rtl="0" algn="l">
+              <a:spcBef>
+                <a:spcPts val="0"/>
+              </a:spcBef>
+              <a:spcAft>
+                <a:spcPts val="0"/>
+              </a:spcAft>
+              <a:buSzPts val="1400"/>
+              <a:buChar char="●"/>
+            </a:pPr>
+            <a:r>
+              <a:rPr lang="ko"/>
+              <a:t>./run.sh</a:t>
+            </a:r>
+            <a:endParaRPr/>
+          </a:p>
+          <a:p>
+            <a:pPr indent="0" lvl="0" marL="0" rtl="0" algn="l">
+              <a:spcBef>
+                <a:spcPts val="0"/>
+              </a:spcBef>
+              <a:spcAft>
+                <a:spcPts val="0"/>
+              </a:spcAft>
+              <a:buClr>
+                <a:schemeClr val="dk1"/>
+              </a:buClr>
+              <a:buSzPts val="1100"/>
+              <a:buFont typeface="Arial"/>
+              <a:buNone/>
+            </a:pPr>
+            <a:r>
+              <a:t/>
+            </a:r>
+            <a:endParaRPr/>
+          </a:p>
+          <a:p>
+            <a:pPr indent="0" lvl="0" marL="0" rtl="0" algn="l">
+              <a:spcBef>
+                <a:spcPts val="0"/>
+              </a:spcBef>
+              <a:spcAft>
+                <a:spcPts val="0"/>
+              </a:spcAft>
+              <a:buClr>
+                <a:schemeClr val="dk1"/>
+              </a:buClr>
+              <a:buSzPts val="1100"/>
+              <a:buFont typeface="Arial"/>
+              <a:buNone/>
+            </a:pPr>
+            <a:r>
+              <a:rPr lang="ko"/>
+              <a:t>Run Play Record mode (can be switched to Camera mode)</a:t>
+            </a:r>
+            <a:endParaRPr/>
+          </a:p>
+          <a:p>
+            <a:pPr indent="-317500" lvl="0" marL="457200" rtl="0" algn="l">
+              <a:spcBef>
+                <a:spcPts val="0"/>
+              </a:spcBef>
+              <a:spcAft>
+                <a:spcPts val="0"/>
+              </a:spcAft>
+              <a:buSzPts val="1400"/>
+              <a:buChar char="●"/>
+            </a:pPr>
+            <a:r>
+              <a:rPr lang="ko"/>
+              <a:t>./run-mov.sh</a:t>
+            </a:r>
+            <a:endParaRPr/>
+          </a:p>
+        </p:txBody>
+      </p:sp>
+    </p:spTree>
+  </p:cSld>
+  <p:clrMapOvr>
+    <a:masterClrMapping/>
+  </p:clrMapOvr>
+</p:sld>
+</file>
+
 <file path=ppt/slides/slide2.xml><?xml version="1.0" encoding="utf-8"?>
 <p:sld xmlns:a="http://schemas.openxmlformats.org/drawingml/2006/main" xmlns:r="http://schemas.openxmlformats.org/officeDocument/2006/relationships" xmlns:mc="http://schemas.openxmlformats.org/markup-compatibility/2006" xmlns:mv="urn:schemas-microsoft-com:mac:vml" xmlns:p="http://schemas.openxmlformats.org/presentationml/2006/main" xmlns:c="http://schemas.openxmlformats.org/drawingml/2006/chart" xmlns:dgm="http://schemas.openxmlformats.org/drawingml/2006/diagram" xmlns:o="urn:schemas-microsoft-com:office:office" xmlns:v="urn:schemas-microsoft-com:vml" xmlns:pvml="urn:schemas-microsoft-com:office:powerpoint" xmlns:com="http://schemas.openxmlformats.org/drawingml/2006/compatibility" xmlns:p14="http://schemas.microsoft.com/office/powerpoint/2010/main" xmlns:p15="http://schemas.microsoft.com/office/powerpoint/2012/main" xmlns:ahyp="http://schemas.microsoft.com/office/drawing/2018/hyperlinkcolor">
   <p:cSld>
@@ -9959,7 +11553,7 @@
             </a:pPr>
             <a:r>
               <a:rPr lang="ko" sz="1600"/>
-              <a:t>USB Key Setup</a:t>
+              <a:t>USB Key Setup(If you need USB Drive, then ask to TEAM 3)</a:t>
             </a:r>
             <a:endParaRPr sz="1600"/>
           </a:p>
@@ -10247,7 +11841,7 @@
             <a:tbl>
               <a:tblPr>
                 <a:noFill/>
-                <a:tableStyleId>{B3EAB1C9-F10B-4B7C-886D-17FA1C0DB575}</a:tableStyleId>
+                <a:tableStyleId>{7EEE5744-F368-4B32-B27F-540C0DF30A77}</a:tableStyleId>
               </a:tblPr>
               <a:tblGrid>
                 <a:gridCol w="2413000"/>
